--- a/Паттерн Singleton.pptx
+++ b/Паттерн Singleton.pptx
@@ -10,14 +10,15 @@
     <p:sldId id="258" r:id="rId4"/>
     <p:sldId id="259" r:id="rId5"/>
     <p:sldId id="260" r:id="rId6"/>
-    <p:sldId id="261" r:id="rId7"/>
-    <p:sldId id="262" r:id="rId8"/>
-    <p:sldId id="263" r:id="rId9"/>
-    <p:sldId id="264" r:id="rId10"/>
-    <p:sldId id="265" r:id="rId11"/>
-    <p:sldId id="266" r:id="rId12"/>
-    <p:sldId id="267" r:id="rId13"/>
-    <p:sldId id="268" r:id="rId14"/>
+    <p:sldId id="269" r:id="rId7"/>
+    <p:sldId id="261" r:id="rId8"/>
+    <p:sldId id="262" r:id="rId9"/>
+    <p:sldId id="263" r:id="rId10"/>
+    <p:sldId id="264" r:id="rId11"/>
+    <p:sldId id="265" r:id="rId12"/>
+    <p:sldId id="266" r:id="rId13"/>
+    <p:sldId id="267" r:id="rId14"/>
+    <p:sldId id="268" r:id="rId15"/>
   </p:sldIdLst>
   <p:sldSz cx="12192000" cy="6858000"/>
   <p:notesSz cx="6858000" cy="9144000"/>
@@ -287,7 +288,7 @@
           <a:p>
             <a:fld id="{180E66E7-7014-43C9-9E41-DA39418FFDF1}" type="datetimeFigureOut">
               <a:rPr lang="ru-RU" smtClean="0"/>
-              <a:t>27.11.2020</a:t>
+              <a:t>29.11.2020</a:t>
             </a:fld>
             <a:endParaRPr lang="ru-RU"/>
           </a:p>
@@ -345,6 +346,18 @@
   <p:clrMapOvr>
     <a:overrideClrMapping bg1="dk1" tx1="lt1" bg2="dk2" tx2="lt2" accent1="accent1" accent2="accent2" accent3="accent3" accent4="accent4" accent5="accent5" accent6="accent6" hlink="hlink" folHlink="folHlink"/>
   </p:clrMapOvr>
+  <mc:AlternateContent xmlns:mc="http://schemas.openxmlformats.org/markup-compatibility/2006" xmlns:p14="http://schemas.microsoft.com/office/powerpoint/2010/main">
+    <mc:Choice Requires="p14">
+      <p:transition spd="med" p14:dur="700">
+        <p:fade/>
+      </p:transition>
+    </mc:Choice>
+    <mc:Fallback xmlns="">
+      <p:transition spd="med">
+        <p:fade/>
+      </p:transition>
+    </mc:Fallback>
+  </mc:AlternateContent>
 </p:sldLayout>
 </file>
 
@@ -457,7 +470,7 @@
           <a:p>
             <a:fld id="{180E66E7-7014-43C9-9E41-DA39418FFDF1}" type="datetimeFigureOut">
               <a:rPr lang="ru-RU" smtClean="0"/>
-              <a:t>27.11.2020</a:t>
+              <a:t>29.11.2020</a:t>
             </a:fld>
             <a:endParaRPr lang="ru-RU"/>
           </a:p>
@@ -515,6 +528,18 @@
   <p:clrMapOvr>
     <a:masterClrMapping/>
   </p:clrMapOvr>
+  <mc:AlternateContent xmlns:mc="http://schemas.openxmlformats.org/markup-compatibility/2006" xmlns:p14="http://schemas.microsoft.com/office/powerpoint/2010/main">
+    <mc:Choice Requires="p14">
+      <p:transition spd="med" p14:dur="700">
+        <p:fade/>
+      </p:transition>
+    </mc:Choice>
+    <mc:Fallback xmlns="">
+      <p:transition spd="med">
+        <p:fade/>
+      </p:transition>
+    </mc:Fallback>
+  </mc:AlternateContent>
 </p:sldLayout>
 </file>
 
@@ -637,7 +662,7 @@
           <a:p>
             <a:fld id="{180E66E7-7014-43C9-9E41-DA39418FFDF1}" type="datetimeFigureOut">
               <a:rPr lang="ru-RU" smtClean="0"/>
-              <a:t>27.11.2020</a:t>
+              <a:t>29.11.2020</a:t>
             </a:fld>
             <a:endParaRPr lang="ru-RU"/>
           </a:p>
@@ -695,6 +720,18 @@
   <p:clrMapOvr>
     <a:masterClrMapping/>
   </p:clrMapOvr>
+  <mc:AlternateContent xmlns:mc="http://schemas.openxmlformats.org/markup-compatibility/2006" xmlns:p14="http://schemas.microsoft.com/office/powerpoint/2010/main">
+    <mc:Choice Requires="p14">
+      <p:transition spd="med" p14:dur="700">
+        <p:fade/>
+      </p:transition>
+    </mc:Choice>
+    <mc:Fallback xmlns="">
+      <p:transition spd="med">
+        <p:fade/>
+      </p:transition>
+    </mc:Fallback>
+  </mc:AlternateContent>
 </p:sldLayout>
 </file>
 
@@ -807,7 +844,7 @@
           <a:p>
             <a:fld id="{180E66E7-7014-43C9-9E41-DA39418FFDF1}" type="datetimeFigureOut">
               <a:rPr lang="ru-RU" smtClean="0"/>
-              <a:t>27.11.2020</a:t>
+              <a:t>29.11.2020</a:t>
             </a:fld>
             <a:endParaRPr lang="ru-RU"/>
           </a:p>
@@ -865,6 +902,18 @@
   <p:clrMapOvr>
     <a:masterClrMapping/>
   </p:clrMapOvr>
+  <mc:AlternateContent xmlns:mc="http://schemas.openxmlformats.org/markup-compatibility/2006" xmlns:p14="http://schemas.microsoft.com/office/powerpoint/2010/main">
+    <mc:Choice Requires="p14">
+      <p:transition spd="med" p14:dur="700">
+        <p:fade/>
+      </p:transition>
+    </mc:Choice>
+    <mc:Fallback xmlns="">
+      <p:transition spd="med">
+        <p:fade/>
+      </p:transition>
+    </mc:Fallback>
+  </mc:AlternateContent>
 </p:sldLayout>
 </file>
 
@@ -1075,7 +1124,7 @@
           <a:p>
             <a:fld id="{180E66E7-7014-43C9-9E41-DA39418FFDF1}" type="datetimeFigureOut">
               <a:rPr lang="ru-RU" smtClean="0"/>
-              <a:t>27.11.2020</a:t>
+              <a:t>29.11.2020</a:t>
             </a:fld>
             <a:endParaRPr lang="ru-RU"/>
           </a:p>
@@ -1133,6 +1182,18 @@
   <p:clrMapOvr>
     <a:overrideClrMapping bg1="dk1" tx1="lt1" bg2="dk2" tx2="lt2" accent1="accent1" accent2="accent2" accent3="accent3" accent4="accent4" accent5="accent5" accent6="accent6" hlink="hlink" folHlink="folHlink"/>
   </p:clrMapOvr>
+  <mc:AlternateContent xmlns:mc="http://schemas.openxmlformats.org/markup-compatibility/2006" xmlns:p14="http://schemas.microsoft.com/office/powerpoint/2010/main">
+    <mc:Choice Requires="p14">
+      <p:transition spd="med" p14:dur="700">
+        <p:fade/>
+      </p:transition>
+    </mc:Choice>
+    <mc:Fallback xmlns="">
+      <p:transition spd="med">
+        <p:fade/>
+      </p:transition>
+    </mc:Fallback>
+  </mc:AlternateContent>
 </p:sldLayout>
 </file>
 
@@ -1307,7 +1368,7 @@
           <a:p>
             <a:fld id="{180E66E7-7014-43C9-9E41-DA39418FFDF1}" type="datetimeFigureOut">
               <a:rPr lang="ru-RU" smtClean="0"/>
-              <a:t>27.11.2020</a:t>
+              <a:t>29.11.2020</a:t>
             </a:fld>
             <a:endParaRPr lang="ru-RU"/>
           </a:p>
@@ -1365,6 +1426,18 @@
   <p:clrMapOvr>
     <a:masterClrMapping/>
   </p:clrMapOvr>
+  <mc:AlternateContent xmlns:mc="http://schemas.openxmlformats.org/markup-compatibility/2006" xmlns:p14="http://schemas.microsoft.com/office/powerpoint/2010/main">
+    <mc:Choice Requires="p14">
+      <p:transition spd="med" p14:dur="700">
+        <p:fade/>
+      </p:transition>
+    </mc:Choice>
+    <mc:Fallback xmlns="">
+      <p:transition spd="med">
+        <p:fade/>
+      </p:transition>
+    </mc:Fallback>
+  </mc:AlternateContent>
 </p:sldLayout>
 </file>
 
@@ -1666,7 +1739,7 @@
           <a:p>
             <a:fld id="{180E66E7-7014-43C9-9E41-DA39418FFDF1}" type="datetimeFigureOut">
               <a:rPr lang="ru-RU" smtClean="0"/>
-              <a:t>27.11.2020</a:t>
+              <a:t>29.11.2020</a:t>
             </a:fld>
             <a:endParaRPr lang="ru-RU"/>
           </a:p>
@@ -1747,6 +1820,18 @@
   <p:clrMapOvr>
     <a:masterClrMapping/>
   </p:clrMapOvr>
+  <mc:AlternateContent xmlns:mc="http://schemas.openxmlformats.org/markup-compatibility/2006" xmlns:p14="http://schemas.microsoft.com/office/powerpoint/2010/main">
+    <mc:Choice Requires="p14">
+      <p:transition spd="med" p14:dur="700">
+        <p:fade/>
+      </p:transition>
+    </mc:Choice>
+    <mc:Fallback xmlns="">
+      <p:transition spd="med">
+        <p:fade/>
+      </p:transition>
+    </mc:Fallback>
+  </mc:AlternateContent>
 </p:sldLayout>
 </file>
 
@@ -1807,7 +1892,7 @@
           <a:p>
             <a:fld id="{180E66E7-7014-43C9-9E41-DA39418FFDF1}" type="datetimeFigureOut">
               <a:rPr lang="ru-RU" smtClean="0"/>
-              <a:t>27.11.2020</a:t>
+              <a:t>29.11.2020</a:t>
             </a:fld>
             <a:endParaRPr lang="ru-RU"/>
           </a:p>
@@ -1865,6 +1950,18 @@
   <p:clrMapOvr>
     <a:masterClrMapping/>
   </p:clrMapOvr>
+  <mc:AlternateContent xmlns:mc="http://schemas.openxmlformats.org/markup-compatibility/2006" xmlns:p14="http://schemas.microsoft.com/office/powerpoint/2010/main">
+    <mc:Choice Requires="p14">
+      <p:transition spd="med" p14:dur="700">
+        <p:fade/>
+      </p:transition>
+    </mc:Choice>
+    <mc:Fallback xmlns="">
+      <p:transition spd="med">
+        <p:fade/>
+      </p:transition>
+    </mc:Fallback>
+  </mc:AlternateContent>
 </p:sldLayout>
 </file>
 
@@ -1902,7 +1999,7 @@
           <a:p>
             <a:fld id="{180E66E7-7014-43C9-9E41-DA39418FFDF1}" type="datetimeFigureOut">
               <a:rPr lang="ru-RU" smtClean="0"/>
-              <a:t>27.11.2020</a:t>
+              <a:t>29.11.2020</a:t>
             </a:fld>
             <a:endParaRPr lang="ru-RU"/>
           </a:p>
@@ -1960,6 +2057,18 @@
   <p:clrMapOvr>
     <a:masterClrMapping/>
   </p:clrMapOvr>
+  <mc:AlternateContent xmlns:mc="http://schemas.openxmlformats.org/markup-compatibility/2006" xmlns:p14="http://schemas.microsoft.com/office/powerpoint/2010/main">
+    <mc:Choice Requires="p14">
+      <p:transition spd="med" p14:dur="700">
+        <p:fade/>
+      </p:transition>
+    </mc:Choice>
+    <mc:Fallback xmlns="">
+      <p:transition spd="med">
+        <p:fade/>
+      </p:transition>
+    </mc:Fallback>
+  </mc:AlternateContent>
 </p:sldLayout>
 </file>
 
@@ -2259,7 +2368,7 @@
           <a:p>
             <a:fld id="{180E66E7-7014-43C9-9E41-DA39418FFDF1}" type="datetimeFigureOut">
               <a:rPr lang="ru-RU" smtClean="0"/>
-              <a:t>27.11.2020</a:t>
+              <a:t>29.11.2020</a:t>
             </a:fld>
             <a:endParaRPr lang="ru-RU"/>
           </a:p>
@@ -2332,6 +2441,18 @@
   <p:clrMapOvr>
     <a:masterClrMapping/>
   </p:clrMapOvr>
+  <mc:AlternateContent xmlns:mc="http://schemas.openxmlformats.org/markup-compatibility/2006" xmlns:p14="http://schemas.microsoft.com/office/powerpoint/2010/main">
+    <mc:Choice Requires="p14">
+      <p:transition spd="med" p14:dur="700">
+        <p:fade/>
+      </p:transition>
+    </mc:Choice>
+    <mc:Fallback xmlns="">
+      <p:transition spd="med">
+        <p:fade/>
+      </p:transition>
+    </mc:Fallback>
+  </mc:AlternateContent>
 </p:sldLayout>
 </file>
 
@@ -2616,7 +2737,7 @@
           <a:p>
             <a:fld id="{180E66E7-7014-43C9-9E41-DA39418FFDF1}" type="datetimeFigureOut">
               <a:rPr lang="ru-RU" smtClean="0"/>
-              <a:t>27.11.2020</a:t>
+              <a:t>29.11.2020</a:t>
             </a:fld>
             <a:endParaRPr lang="ru-RU"/>
           </a:p>
@@ -2689,6 +2810,18 @@
   <p:clrMapOvr>
     <a:masterClrMapping/>
   </p:clrMapOvr>
+  <mc:AlternateContent xmlns:mc="http://schemas.openxmlformats.org/markup-compatibility/2006" xmlns:p14="http://schemas.microsoft.com/office/powerpoint/2010/main">
+    <mc:Choice Requires="p14">
+      <p:transition spd="med" p14:dur="700">
+        <p:fade/>
+      </p:transition>
+    </mc:Choice>
+    <mc:Fallback xmlns="">
+      <p:transition spd="med">
+        <p:fade/>
+      </p:transition>
+    </mc:Fallback>
+  </mc:AlternateContent>
 </p:sldLayout>
 </file>
 
@@ -2857,7 +2990,7 @@
           <a:p>
             <a:fld id="{180E66E7-7014-43C9-9E41-DA39418FFDF1}" type="datetimeFigureOut">
               <a:rPr lang="ru-RU" smtClean="0"/>
-              <a:t>27.11.2020</a:t>
+              <a:t>29.11.2020</a:t>
             </a:fld>
             <a:endParaRPr lang="ru-RU"/>
           </a:p>
@@ -2967,6 +3100,18 @@
     <p:sldLayoutId id="2147483705" r:id="rId10"/>
     <p:sldLayoutId id="2147483706" r:id="rId11"/>
   </p:sldLayoutIdLst>
+  <mc:AlternateContent xmlns:mc="http://schemas.openxmlformats.org/markup-compatibility/2006" xmlns:p14="http://schemas.microsoft.com/office/powerpoint/2010/main">
+    <mc:Choice Requires="p14">
+      <p:transition spd="med" p14:dur="700">
+        <p:fade/>
+      </p:transition>
+    </mc:Choice>
+    <mc:Fallback xmlns="">
+      <p:transition spd="med">
+        <p:fade/>
+      </p:transition>
+    </mc:Fallback>
+  </mc:AlternateContent>
   <p:txStyles>
     <p:titleStyle>
       <a:lvl1pPr algn="ctr" defTabSz="914400" rtl="0" eaLnBrk="1" latinLnBrk="0" hangingPunct="1">
@@ -3356,17 +3501,29 @@
           <a:lstStyle/>
           <a:p>
             <a:r>
-              <a:rPr lang="ru-RU" dirty="0" smtClean="0"/>
+              <a:rPr lang="ru-RU" smtClean="0">
+                <a:latin typeface="Times New Roman" panose="02020603050405020304" pitchFamily="18" charset="0"/>
+                <a:cs typeface="Times New Roman" panose="02020603050405020304" pitchFamily="18" charset="0"/>
+              </a:rPr>
               <a:t>Подготовил</a:t>
             </a:r>
-            <a:endParaRPr lang="ru-RU" dirty="0" smtClean="0"/>
-          </a:p>
-          <a:p>
-            <a:r>
-              <a:rPr lang="ru-RU" dirty="0" smtClean="0"/>
+            <a:endParaRPr lang="ru-RU" dirty="0" smtClean="0">
+              <a:latin typeface="Times New Roman" panose="02020603050405020304" pitchFamily="18" charset="0"/>
+              <a:cs typeface="Times New Roman" panose="02020603050405020304" pitchFamily="18" charset="0"/>
+            </a:endParaRPr>
+          </a:p>
+          <a:p>
+            <a:r>
+              <a:rPr lang="ru-RU" dirty="0" smtClean="0">
+                <a:latin typeface="Times New Roman" panose="02020603050405020304" pitchFamily="18" charset="0"/>
+                <a:cs typeface="Times New Roman" panose="02020603050405020304" pitchFamily="18" charset="0"/>
+              </a:rPr>
               <a:t>Андреев Максим</a:t>
             </a:r>
-            <a:endParaRPr lang="ru-RU" dirty="0"/>
+            <a:endParaRPr lang="ru-RU" dirty="0">
+              <a:latin typeface="Times New Roman" panose="02020603050405020304" pitchFamily="18" charset="0"/>
+              <a:cs typeface="Times New Roman" panose="02020603050405020304" pitchFamily="18" charset="0"/>
+            </a:endParaRPr>
           </a:p>
         </p:txBody>
       </p:sp>
@@ -3380,6 +3537,18 @@
   <p:clrMapOvr>
     <a:masterClrMapping/>
   </p:clrMapOvr>
+  <mc:AlternateContent xmlns:mc="http://schemas.openxmlformats.org/markup-compatibility/2006" xmlns:p14="http://schemas.microsoft.com/office/powerpoint/2010/main">
+    <mc:Choice Requires="p14">
+      <p:transition spd="med" p14:dur="700">
+        <p:fade/>
+      </p:transition>
+    </mc:Choice>
+    <mc:Fallback xmlns="">
+      <p:transition spd="med">
+        <p:fade/>
+      </p:transition>
+    </mc:Fallback>
+  </mc:AlternateContent>
   <p:timing>
     <p:tnLst>
       <p:par>
@@ -3391,6 +3560,112 @@
 </file>
 
 <file path=ppt/slides/slide10.xml><?xml version="1.0" encoding="utf-8"?>
+<p:sld xmlns:a="http://schemas.openxmlformats.org/drawingml/2006/main" xmlns:r="http://schemas.openxmlformats.org/officeDocument/2006/relationships" xmlns:p="http://schemas.openxmlformats.org/presentationml/2006/main">
+  <p:cSld>
+    <p:spTree>
+      <p:nvGrpSpPr>
+        <p:cNvPr id="1" name=""/>
+        <p:cNvGrpSpPr/>
+        <p:nvPr/>
+      </p:nvGrpSpPr>
+      <p:grpSpPr>
+        <a:xfrm>
+          <a:off x="0" y="0"/>
+          <a:ext cx="0" cy="0"/>
+          <a:chOff x="0" y="0"/>
+          <a:chExt cx="0" cy="0"/>
+        </a:xfrm>
+      </p:grpSpPr>
+      <p:sp>
+        <p:nvSpPr>
+          <p:cNvPr id="7" name="Заголовок 6"/>
+          <p:cNvSpPr>
+            <a:spLocks noGrp="1"/>
+          </p:cNvSpPr>
+          <p:nvPr>
+            <p:ph type="title"/>
+          </p:nvPr>
+        </p:nvSpPr>
+        <p:spPr>
+          <a:xfrm>
+            <a:off x="2184954" y="207310"/>
+            <a:ext cx="7420864" cy="845635"/>
+          </a:xfrm>
+        </p:spPr>
+        <p:txBody>
+          <a:bodyPr/>
+          <a:lstStyle/>
+          <a:p>
+            <a:r>
+              <a:rPr lang="ru-RU" dirty="0" smtClean="0"/>
+              <a:t>Пример работы паттерна</a:t>
+            </a:r>
+            <a:endParaRPr lang="ru-RU" dirty="0"/>
+          </a:p>
+        </p:txBody>
+      </p:sp>
+      <p:pic>
+        <p:nvPicPr>
+          <p:cNvPr id="8" name="Рисунок 7"/>
+          <p:cNvPicPr>
+            <a:picLocks noChangeAspect="1"/>
+          </p:cNvPicPr>
+          <p:nvPr/>
+        </p:nvPicPr>
+        <p:blipFill>
+          <a:blip r:embed="rId2"/>
+          <a:stretch>
+            <a:fillRect/>
+          </a:stretch>
+        </p:blipFill>
+        <p:spPr>
+          <a:xfrm>
+            <a:off x="2939031" y="1441045"/>
+            <a:ext cx="5912709" cy="4879599"/>
+          </a:xfrm>
+          <a:prstGeom prst="rect">
+            <a:avLst/>
+          </a:prstGeom>
+          <a:ln w="28575">
+            <a:solidFill>
+              <a:schemeClr val="tx1"/>
+            </a:solidFill>
+          </a:ln>
+        </p:spPr>
+      </p:pic>
+    </p:spTree>
+    <p:extLst>
+      <p:ext uri="{BB962C8B-B14F-4D97-AF65-F5344CB8AC3E}">
+        <p14:creationId xmlns:p14="http://schemas.microsoft.com/office/powerpoint/2010/main" val="2655273055"/>
+      </p:ext>
+    </p:extLst>
+  </p:cSld>
+  <p:clrMapOvr>
+    <a:masterClrMapping/>
+  </p:clrMapOvr>
+  <mc:AlternateContent xmlns:mc="http://schemas.openxmlformats.org/markup-compatibility/2006" xmlns:p14="http://schemas.microsoft.com/office/powerpoint/2010/main">
+    <mc:Choice Requires="p14">
+      <p:transition spd="med" p14:dur="700">
+        <p:fade/>
+      </p:transition>
+    </mc:Choice>
+    <mc:Fallback xmlns="">
+      <p:transition spd="med">
+        <p:fade/>
+      </p:transition>
+    </mc:Fallback>
+  </mc:AlternateContent>
+  <p:timing>
+    <p:tnLst>
+      <p:par>
+        <p:cTn id="1" dur="indefinite" restart="never" nodeType="tmRoot"/>
+      </p:par>
+    </p:tnLst>
+  </p:timing>
+</p:sld>
+</file>
+
+<file path=ppt/slides/slide11.xml><?xml version="1.0" encoding="utf-8"?>
 <p:sld xmlns:a="http://schemas.openxmlformats.org/drawingml/2006/main" xmlns:r="http://schemas.openxmlformats.org/officeDocument/2006/relationships" xmlns:p="http://schemas.openxmlformats.org/presentationml/2006/main">
   <p:cSld>
     <p:spTree>
@@ -3760,6 +4035,18 @@
   <p:clrMapOvr>
     <a:masterClrMapping/>
   </p:clrMapOvr>
+  <mc:AlternateContent xmlns:mc="http://schemas.openxmlformats.org/markup-compatibility/2006" xmlns:p14="http://schemas.microsoft.com/office/powerpoint/2010/main">
+    <mc:Choice Requires="p14">
+      <p:transition spd="med" p14:dur="700">
+        <p:fade/>
+      </p:transition>
+    </mc:Choice>
+    <mc:Fallback xmlns="">
+      <p:transition spd="med">
+        <p:fade/>
+      </p:transition>
+    </mc:Fallback>
+  </mc:AlternateContent>
   <p:timing>
     <p:tnLst>
       <p:par>
@@ -3770,7 +4057,7 @@
 </p:sld>
 </file>
 
-<file path=ppt/slides/slide11.xml><?xml version="1.0" encoding="utf-8"?>
+<file path=ppt/slides/slide12.xml><?xml version="1.0" encoding="utf-8"?>
 <p:sld xmlns:a="http://schemas.openxmlformats.org/drawingml/2006/main" xmlns:r="http://schemas.openxmlformats.org/officeDocument/2006/relationships" xmlns:p="http://schemas.openxmlformats.org/presentationml/2006/main">
   <p:cSld>
     <p:spTree>
@@ -4128,6 +4415,18 @@
   <p:clrMapOvr>
     <a:masterClrMapping/>
   </p:clrMapOvr>
+  <mc:AlternateContent xmlns:mc="http://schemas.openxmlformats.org/markup-compatibility/2006" xmlns:p14="http://schemas.microsoft.com/office/powerpoint/2010/main">
+    <mc:Choice Requires="p14">
+      <p:transition spd="med" p14:dur="700">
+        <p:fade/>
+      </p:transition>
+    </mc:Choice>
+    <mc:Fallback xmlns="">
+      <p:transition spd="med">
+        <p:fade/>
+      </p:transition>
+    </mc:Fallback>
+  </mc:AlternateContent>
   <p:timing>
     <p:tnLst>
       <p:par>
@@ -4138,7 +4437,7 @@
 </p:sld>
 </file>
 
-<file path=ppt/slides/slide12.xml><?xml version="1.0" encoding="utf-8"?>
+<file path=ppt/slides/slide13.xml><?xml version="1.0" encoding="utf-8"?>
 <p:sld xmlns:a="http://schemas.openxmlformats.org/drawingml/2006/main" xmlns:r="http://schemas.openxmlformats.org/officeDocument/2006/relationships" xmlns:p="http://schemas.openxmlformats.org/presentationml/2006/main">
   <p:cSld>
     <p:spTree>
@@ -4432,6 +4731,18 @@
   <p:clrMapOvr>
     <a:masterClrMapping/>
   </p:clrMapOvr>
+  <mc:AlternateContent xmlns:mc="http://schemas.openxmlformats.org/markup-compatibility/2006" xmlns:p14="http://schemas.microsoft.com/office/powerpoint/2010/main">
+    <mc:Choice Requires="p14">
+      <p:transition spd="med" p14:dur="700">
+        <p:fade/>
+      </p:transition>
+    </mc:Choice>
+    <mc:Fallback xmlns="">
+      <p:transition spd="med">
+        <p:fade/>
+      </p:transition>
+    </mc:Fallback>
+  </mc:AlternateContent>
   <p:timing>
     <p:tnLst>
       <p:par>
@@ -4442,7 +4753,7 @@
 </p:sld>
 </file>
 
-<file path=ppt/slides/slide13.xml><?xml version="1.0" encoding="utf-8"?>
+<file path=ppt/slides/slide14.xml><?xml version="1.0" encoding="utf-8"?>
 <p:sld xmlns:a="http://schemas.openxmlformats.org/drawingml/2006/main" xmlns:r="http://schemas.openxmlformats.org/officeDocument/2006/relationships" xmlns:p="http://schemas.openxmlformats.org/presentationml/2006/main">
   <p:cSld>
     <p:spTree>
@@ -4459,31 +4770,99 @@
           <a:chExt cx="0" cy="0"/>
         </a:xfrm>
       </p:grpSpPr>
-      <p:sp>
-        <p:nvSpPr>
-          <p:cNvPr id="2" name="Заголовок 1"/>
-          <p:cNvSpPr>
-            <a:spLocks noGrp="1"/>
-          </p:cNvSpPr>
-          <p:nvPr>
-            <p:ph type="title"/>
-          </p:nvPr>
-        </p:nvSpPr>
-        <p:spPr>
-          <a:xfrm>
-            <a:off x="2231136" y="2497928"/>
-            <a:ext cx="7729728" cy="1188720"/>
-          </a:xfrm>
-        </p:spPr>
-        <p:txBody>
-          <a:bodyPr/>
-          <a:lstStyle/>
-          <a:p>
-            <a:r>
-              <a:rPr lang="ru-RU" dirty="0" smtClean="0"/>
-              <a:t>Спасибо за внимание!</a:t>
-            </a:r>
-            <a:endParaRPr lang="ru-RU" dirty="0"/>
+      <p:pic>
+        <p:nvPicPr>
+          <p:cNvPr id="5" name="Picture 2" descr="https://present5.com/presentforday2/20161217/netvorking_valeeva_dilyara_images/netvorking_valeeva_dilyara_23.jpg"/>
+          <p:cNvPicPr>
+            <a:picLocks noChangeAspect="1" noChangeArrowheads="1"/>
+          </p:cNvPicPr>
+          <p:nvPr/>
+        </p:nvPicPr>
+        <p:blipFill rotWithShape="1">
+          <a:blip r:embed="rId2">
+            <a:extLst>
+              <a:ext uri="{BEBA8EAE-BF5A-486C-A8C5-ECC9F3942E4B}">
+                <a14:imgProps xmlns:a14="http://schemas.microsoft.com/office/drawing/2010/main">
+                  <a14:imgLayer r:embed="rId3">
+                    <a14:imgEffect>
+                      <a14:sharpenSoften amount="48000"/>
+                    </a14:imgEffect>
+                    <a14:imgEffect>
+                      <a14:saturation sat="400000"/>
+                    </a14:imgEffect>
+                    <a14:imgEffect>
+                      <a14:brightnessContrast bright="-5000"/>
+                    </a14:imgEffect>
+                  </a14:imgLayer>
+                </a14:imgProps>
+              </a:ext>
+              <a:ext uri="{28A0092B-C50C-407E-A947-70E740481C1C}">
+                <a14:useLocalDpi xmlns:a14="http://schemas.microsoft.com/office/drawing/2010/main" val="0"/>
+              </a:ext>
+            </a:extLst>
+          </a:blip>
+          <a:srcRect l="51085"/>
+          <a:stretch/>
+        </p:blipFill>
+        <p:spPr bwMode="auto">
+          <a:xfrm>
+            <a:off x="6881090" y="909457"/>
+            <a:ext cx="4166203" cy="4791000"/>
+          </a:xfrm>
+          <a:prstGeom prst="rect">
+            <a:avLst/>
+          </a:prstGeom>
+          <a:noFill/>
+          <a:extLst>
+            <a:ext uri="{909E8E84-426E-40DD-AFC4-6F175D3DCCD1}">
+              <a14:hiddenFill xmlns:a14="http://schemas.microsoft.com/office/drawing/2010/main">
+                <a:solidFill>
+                  <a:srgbClr val="FFFFFF"/>
+                </a:solidFill>
+              </a14:hiddenFill>
+            </a:ext>
+          </a:extLst>
+        </p:spPr>
+      </p:pic>
+      <p:sp>
+        <p:nvSpPr>
+          <p:cNvPr id="4" name="TextBox 3"/>
+          <p:cNvSpPr txBox="1"/>
+          <p:nvPr/>
+        </p:nvSpPr>
+        <p:spPr>
+          <a:xfrm>
+            <a:off x="2096731" y="2880083"/>
+            <a:ext cx="4323620" cy="2123658"/>
+          </a:xfrm>
+          <a:prstGeom prst="rect">
+            <a:avLst/>
+          </a:prstGeom>
+          <a:noFill/>
+        </p:spPr>
+        <p:txBody>
+          <a:bodyPr wrap="none" rtlCol="0">
+            <a:spAutoFit/>
+          </a:bodyPr>
+          <a:lstStyle/>
+          <a:p>
+            <a:pPr algn="ctr"/>
+            <a:r>
+              <a:rPr lang="ru-RU" sz="6600" b="1" i="1" dirty="0" smtClean="0"/>
+              <a:t>Спасибо за</a:t>
+            </a:r>
+          </a:p>
+          <a:p>
+            <a:pPr algn="ctr"/>
+            <a:r>
+              <a:rPr lang="ru-RU" sz="6600" b="1" i="1" dirty="0"/>
+              <a:t>в</a:t>
+            </a:r>
+            <a:r>
+              <a:rPr lang="ru-RU" sz="6600" b="1" i="1" dirty="0" smtClean="0"/>
+              <a:t>нимание!</a:t>
+            </a:r>
+            <a:endParaRPr lang="ru-RU" sz="6600" b="1" i="1" dirty="0"/>
           </a:p>
         </p:txBody>
       </p:sp>
@@ -4497,6 +4876,18 @@
   <p:clrMapOvr>
     <a:masterClrMapping/>
   </p:clrMapOvr>
+  <mc:AlternateContent xmlns:mc="http://schemas.openxmlformats.org/markup-compatibility/2006" xmlns:p14="http://schemas.microsoft.com/office/powerpoint/2010/main">
+    <mc:Choice Requires="p14">
+      <p:transition spd="med" p14:dur="700">
+        <p:fade/>
+      </p:transition>
+    </mc:Choice>
+    <mc:Fallback xmlns="">
+      <p:transition spd="med">
+        <p:fade/>
+      </p:transition>
+    </mc:Fallback>
+  </mc:AlternateContent>
   <p:timing>
     <p:tnLst>
       <p:par>
@@ -4632,6 +5023,18 @@
   <p:clrMapOvr>
     <a:masterClrMapping/>
   </p:clrMapOvr>
+  <mc:AlternateContent xmlns:mc="http://schemas.openxmlformats.org/markup-compatibility/2006" xmlns:p14="http://schemas.microsoft.com/office/powerpoint/2010/main">
+    <mc:Choice Requires="p14">
+      <p:transition spd="med" p14:dur="700">
+        <p:fade/>
+      </p:transition>
+    </mc:Choice>
+    <mc:Fallback xmlns="">
+      <p:transition spd="med">
+        <p:fade/>
+      </p:transition>
+    </mc:Fallback>
+  </mc:AlternateContent>
   <p:timing>
     <p:tnLst>
       <p:par>
@@ -5116,6 +5519,18 @@
   <p:clrMapOvr>
     <a:masterClrMapping/>
   </p:clrMapOvr>
+  <mc:AlternateContent xmlns:mc="http://schemas.openxmlformats.org/markup-compatibility/2006" xmlns:p14="http://schemas.microsoft.com/office/powerpoint/2010/main">
+    <mc:Choice Requires="p14">
+      <p:transition spd="med" p14:dur="700">
+        <p:fade/>
+      </p:transition>
+    </mc:Choice>
+    <mc:Fallback xmlns="">
+      <p:transition spd="med">
+        <p:fade/>
+      </p:transition>
+    </mc:Fallback>
+  </mc:AlternateContent>
   <p:timing>
     <p:tnLst>
       <p:par>
@@ -5359,6 +5774,18 @@
   <p:clrMapOvr>
     <a:masterClrMapping/>
   </p:clrMapOvr>
+  <mc:AlternateContent xmlns:mc="http://schemas.openxmlformats.org/markup-compatibility/2006" xmlns:p14="http://schemas.microsoft.com/office/powerpoint/2010/main">
+    <mc:Choice Requires="p14">
+      <p:transition spd="med" p14:dur="700">
+        <p:fade/>
+      </p:transition>
+    </mc:Choice>
+    <mc:Fallback xmlns="">
+      <p:transition spd="med">
+        <p:fade/>
+      </p:transition>
+    </mc:Fallback>
+  </mc:AlternateContent>
   <p:timing>
     <p:tnLst>
       <p:par>
@@ -5491,13 +5918,22 @@
           <a:lstStyle/>
           <a:p>
             <a:r>
+              <a:rPr lang="en-US" b="1" dirty="0" err="1">
+                <a:ln/>
+                <a:solidFill>
+                  <a:schemeClr val="accent3"/>
+                </a:solidFill>
+              </a:rPr>
+              <a:t>g</a:t>
+            </a:r>
+            <a:r>
               <a:rPr lang="en-US" b="1" dirty="0" err="1" smtClean="0">
                 <a:ln/>
                 <a:solidFill>
                   <a:schemeClr val="accent3"/>
                 </a:solidFill>
               </a:rPr>
-              <a:t>GetInstance</a:t>
+              <a:t>etInstance</a:t>
             </a:r>
             <a:r>
               <a:rPr lang="en-US" b="1" dirty="0" smtClean="0">
@@ -5584,7 +6020,7 @@
                   <a:schemeClr val="accent3"/>
                 </a:solidFill>
               </a:rPr>
-              <a:t>GetInstance</a:t>
+              <a:t>getInstance</a:t>
             </a:r>
             <a:r>
               <a:rPr lang="en-US" b="1" dirty="0" smtClean="0">
@@ -5623,6 +6059,18 @@
   <p:clrMapOvr>
     <a:masterClrMapping/>
   </p:clrMapOvr>
+  <mc:AlternateContent xmlns:mc="http://schemas.openxmlformats.org/markup-compatibility/2006" xmlns:p14="http://schemas.microsoft.com/office/powerpoint/2010/main">
+    <mc:Choice Requires="p14">
+      <p:transition spd="med" p14:dur="700">
+        <p:fade/>
+      </p:transition>
+    </mc:Choice>
+    <mc:Fallback xmlns="">
+      <p:transition spd="med">
+        <p:fade/>
+      </p:transition>
+    </mc:Fallback>
+  </mc:AlternateContent>
   <p:timing>
     <p:tnLst>
       <p:par>
@@ -5652,278 +6100,99 @@
       </p:grpSpPr>
       <p:sp>
         <p:nvSpPr>
-          <p:cNvPr id="5" name="Текст 4"/>
-          <p:cNvSpPr>
-            <a:spLocks noGrp="1"/>
-          </p:cNvSpPr>
-          <p:nvPr>
-            <p:ph type="body" idx="1"/>
-          </p:nvPr>
-        </p:nvSpPr>
-        <p:spPr>
-          <a:xfrm>
-            <a:off x="1059616" y="1355806"/>
-            <a:ext cx="4273118" cy="430958"/>
-          </a:xfrm>
-        </p:spPr>
-        <p:txBody>
-          <a:bodyPr anchor="t"/>
-          <a:lstStyle/>
-          <a:p>
-            <a:r>
-              <a:rPr lang="ru-RU" b="1" i="1" dirty="0" smtClean="0"/>
-              <a:t>Обычные переменные</a:t>
-            </a:r>
-            <a:endParaRPr lang="ru-RU" b="1" i="1" dirty="0"/>
+          <p:cNvPr id="3" name="Объект 2"/>
+          <p:cNvSpPr>
+            <a:spLocks noGrp="1"/>
+          </p:cNvSpPr>
+          <p:nvPr>
+            <p:ph idx="1"/>
+          </p:nvPr>
+        </p:nvSpPr>
+        <p:spPr>
+          <a:xfrm>
+            <a:off x="1034473" y="5763491"/>
+            <a:ext cx="10326254" cy="558427"/>
+          </a:xfrm>
+        </p:spPr>
+        <p:txBody>
+          <a:bodyPr>
+            <a:noAutofit/>
+          </a:bodyPr>
+          <a:lstStyle/>
+          <a:p>
+            <a:pPr marL="0" indent="0" algn="ctr">
+              <a:buNone/>
+            </a:pPr>
+            <a:r>
+              <a:rPr lang="ru-RU" sz="2000" b="1" dirty="0"/>
+              <a:t>Клиенты могут не подозревать, что работают с одним и тем же объектом.</a:t>
+            </a:r>
           </a:p>
         </p:txBody>
       </p:sp>
       <p:pic>
         <p:nvPicPr>
-          <p:cNvPr id="9" name="Объект 8"/>
+          <p:cNvPr id="1026" name="Picture 2" descr="https://i0.wp.com/refactoring.guru/images/patterns/content/singleton/singleton-comic-1-ru-2x.png"/>
           <p:cNvPicPr>
-            <a:picLocks noGrp="1" noChangeAspect="1"/>
+            <a:picLocks noChangeAspect="1" noChangeArrowheads="1"/>
           </p:cNvPicPr>
-          <p:nvPr>
-            <p:ph sz="half" idx="2"/>
-          </p:nvPr>
+          <p:nvPr/>
         </p:nvPicPr>
         <p:blipFill>
-          <a:blip r:embed="rId2"/>
+          <a:blip r:embed="rId2">
+            <a:extLst>
+              <a:ext uri="{28A0092B-C50C-407E-A947-70E740481C1C}">
+                <a14:useLocalDpi xmlns:a14="http://schemas.microsoft.com/office/drawing/2010/main" val="0"/>
+              </a:ext>
+            </a:extLst>
+          </a:blip>
+          <a:srcRect/>
           <a:stretch>
             <a:fillRect/>
           </a:stretch>
         </p:blipFill>
-        <p:spPr>
-          <a:xfrm>
-            <a:off x="201234" y="1985819"/>
-            <a:ext cx="5989882" cy="2752436"/>
-          </a:xfrm>
-          <a:prstGeom prst="rect">
-            <a:avLst/>
-          </a:prstGeom>
-          <a:ln w="28575">
-            <a:solidFill>
-              <a:schemeClr val="tx1"/>
-            </a:solidFill>
-          </a:ln>
-        </p:spPr>
-      </p:pic>
-      <p:pic>
-        <p:nvPicPr>
-          <p:cNvPr id="12" name="Объект 11"/>
-          <p:cNvPicPr>
-            <a:picLocks noGrp="1" noChangeAspect="1"/>
-          </p:cNvPicPr>
-          <p:nvPr>
-            <p:ph sz="quarter" idx="4"/>
-          </p:nvPr>
-        </p:nvPicPr>
-        <p:blipFill>
-          <a:blip r:embed="rId3"/>
-          <a:stretch>
-            <a:fillRect/>
-          </a:stretch>
-        </p:blipFill>
-        <p:spPr>
-          <a:xfrm>
-            <a:off x="6759052" y="1968339"/>
-            <a:ext cx="5202039" cy="2769916"/>
-          </a:xfrm>
-          <a:prstGeom prst="rect">
-            <a:avLst/>
-          </a:prstGeom>
-          <a:ln w="28575">
-            <a:solidFill>
-              <a:schemeClr val="tx1"/>
-            </a:solidFill>
-          </a:ln>
-        </p:spPr>
-      </p:pic>
-      <p:sp>
-        <p:nvSpPr>
-          <p:cNvPr id="8" name="Текст 7"/>
-          <p:cNvSpPr>
-            <a:spLocks noGrp="1"/>
-          </p:cNvSpPr>
-          <p:nvPr>
-            <p:ph type="body" sz="quarter" idx="13"/>
-          </p:nvPr>
-        </p:nvSpPr>
-        <p:spPr>
-          <a:xfrm>
-            <a:off x="7233329" y="1372230"/>
-            <a:ext cx="4253484" cy="398110"/>
-          </a:xfrm>
-        </p:spPr>
-        <p:txBody>
-          <a:bodyPr anchor="t"/>
-          <a:lstStyle/>
-          <a:p>
-            <a:r>
-              <a:rPr lang="ru-RU" b="1" i="1" dirty="0" smtClean="0"/>
-              <a:t>Статические переменные</a:t>
-            </a:r>
-            <a:endParaRPr lang="ru-RU" b="1" i="1" dirty="0"/>
-          </a:p>
-        </p:txBody>
-      </p:sp>
-      <p:sp>
-        <p:nvSpPr>
-          <p:cNvPr id="4" name="Заголовок 3"/>
-          <p:cNvSpPr>
-            <a:spLocks noGrp="1"/>
-          </p:cNvSpPr>
-          <p:nvPr>
-            <p:ph type="title"/>
-          </p:nvPr>
-        </p:nvSpPr>
-        <p:spPr>
-          <a:xfrm>
-            <a:off x="2231136" y="248231"/>
-            <a:ext cx="7624064" cy="878605"/>
-          </a:xfrm>
-        </p:spPr>
-        <p:txBody>
-          <a:bodyPr/>
-          <a:lstStyle/>
-          <a:p>
-            <a:r>
-              <a:rPr lang="ru-RU" dirty="0" smtClean="0"/>
-              <a:t>Немного про статику</a:t>
-            </a:r>
-            <a:endParaRPr lang="ru-RU" dirty="0"/>
-          </a:p>
-        </p:txBody>
-      </p:sp>
-      <p:pic>
-        <p:nvPicPr>
-          <p:cNvPr id="10" name="Рисунок 9"/>
-          <p:cNvPicPr>
-            <a:picLocks noChangeAspect="1"/>
-          </p:cNvPicPr>
-          <p:nvPr/>
-        </p:nvPicPr>
-        <p:blipFill>
-          <a:blip r:embed="rId4"/>
-          <a:stretch>
-            <a:fillRect/>
-          </a:stretch>
-        </p:blipFill>
-        <p:spPr>
-          <a:xfrm>
-            <a:off x="1600595" y="5352412"/>
-            <a:ext cx="3191160" cy="927781"/>
-          </a:xfrm>
-          <a:prstGeom prst="rect">
-            <a:avLst/>
-          </a:prstGeom>
-          <a:ln w="28575">
-            <a:solidFill>
-              <a:schemeClr val="accent3"/>
-            </a:solidFill>
-          </a:ln>
-        </p:spPr>
-      </p:pic>
-      <p:sp>
-        <p:nvSpPr>
-          <p:cNvPr id="11" name="TextBox 10"/>
-          <p:cNvSpPr txBox="1"/>
-          <p:nvPr/>
-        </p:nvSpPr>
-        <p:spPr>
-          <a:xfrm>
-            <a:off x="701823" y="4860667"/>
-            <a:ext cx="898772" cy="369332"/>
+        <p:spPr bwMode="auto">
+          <a:xfrm>
+            <a:off x="803564" y="206137"/>
+            <a:ext cx="10726782" cy="5363391"/>
           </a:xfrm>
           <a:prstGeom prst="rect">
             <a:avLst/>
           </a:prstGeom>
           <a:noFill/>
-        </p:spPr>
-        <p:txBody>
-          <a:bodyPr wrap="none" rtlCol="0">
-            <a:spAutoFit/>
-          </a:bodyPr>
-          <a:lstStyle/>
-          <a:p>
-            <a:r>
-              <a:rPr lang="ru-RU" dirty="0" smtClean="0"/>
-              <a:t>Вывод:</a:t>
-            </a:r>
-            <a:endParaRPr lang="ru-RU" dirty="0"/>
-          </a:p>
-        </p:txBody>
-      </p:sp>
-      <p:sp>
-        <p:nvSpPr>
-          <p:cNvPr id="13" name="TextBox 12"/>
-          <p:cNvSpPr txBox="1"/>
-          <p:nvPr/>
-        </p:nvSpPr>
-        <p:spPr>
-          <a:xfrm>
-            <a:off x="6887197" y="4860667"/>
-            <a:ext cx="898772" cy="369332"/>
-          </a:xfrm>
-          <a:prstGeom prst="rect">
-            <a:avLst/>
-          </a:prstGeom>
-          <a:noFill/>
-        </p:spPr>
-        <p:txBody>
-          <a:bodyPr wrap="none" rtlCol="0">
-            <a:spAutoFit/>
-          </a:bodyPr>
-          <a:lstStyle/>
-          <a:p>
-            <a:r>
-              <a:rPr lang="ru-RU" dirty="0" smtClean="0"/>
-              <a:t>Вывод:</a:t>
-            </a:r>
-            <a:endParaRPr lang="ru-RU" dirty="0"/>
-          </a:p>
-        </p:txBody>
-      </p:sp>
-      <p:pic>
-        <p:nvPicPr>
-          <p:cNvPr id="14" name="Рисунок 13"/>
-          <p:cNvPicPr>
-            <a:picLocks noChangeAspect="1"/>
-          </p:cNvPicPr>
-          <p:nvPr/>
-        </p:nvPicPr>
-        <p:blipFill>
-          <a:blip r:embed="rId5"/>
-          <a:stretch>
-            <a:fillRect/>
-          </a:stretch>
-        </p:blipFill>
-        <p:spPr>
-          <a:xfrm>
-            <a:off x="7785969" y="5352411"/>
-            <a:ext cx="3148204" cy="927782"/>
-          </a:xfrm>
-          <a:prstGeom prst="rect">
-            <a:avLst/>
-          </a:prstGeom>
-          <a:ln w="28575">
-            <a:solidFill>
-              <a:schemeClr val="accent3"/>
-            </a:solidFill>
-          </a:ln>
+          <a:extLst>
+            <a:ext uri="{909E8E84-426E-40DD-AFC4-6F175D3DCCD1}">
+              <a14:hiddenFill xmlns:a14="http://schemas.microsoft.com/office/drawing/2010/main">
+                <a:solidFill>
+                  <a:srgbClr val="FFFFFF"/>
+                </a:solidFill>
+              </a14:hiddenFill>
+            </a:ext>
+          </a:extLst>
         </p:spPr>
       </p:pic>
     </p:spTree>
     <p:extLst>
       <p:ext uri="{BB962C8B-B14F-4D97-AF65-F5344CB8AC3E}">
-        <p14:creationId xmlns:p14="http://schemas.microsoft.com/office/powerpoint/2010/main" val="1870334122"/>
+        <p14:creationId xmlns:p14="http://schemas.microsoft.com/office/powerpoint/2010/main" val="1714164937"/>
       </p:ext>
     </p:extLst>
   </p:cSld>
   <p:clrMapOvr>
     <a:masterClrMapping/>
   </p:clrMapOvr>
+  <mc:AlternateContent xmlns:mc="http://schemas.openxmlformats.org/markup-compatibility/2006" xmlns:p14="http://schemas.microsoft.com/office/powerpoint/2010/main">
+    <mc:Choice Requires="p14">
+      <p:transition spd="med" p14:dur="700">
+        <p:fade/>
+      </p:transition>
+    </mc:Choice>
+    <mc:Fallback xmlns="">
+      <p:transition spd="med">
+        <p:fade/>
+      </p:transition>
+    </mc:Fallback>
+  </mc:AlternateContent>
   <p:timing>
     <p:tnLst>
       <p:par>
@@ -5963,7 +6232,7 @@
         </p:nvSpPr>
         <p:spPr>
           <a:xfrm>
-            <a:off x="1066789" y="1257707"/>
+            <a:off x="1059616" y="1355806"/>
             <a:ext cx="4273118" cy="430958"/>
           </a:xfrm>
         </p:spPr>
@@ -5979,129 +6248,15 @@
           </a:p>
         </p:txBody>
       </p:sp>
-      <p:sp>
-        <p:nvSpPr>
-          <p:cNvPr id="8" name="Текст 7"/>
-          <p:cNvSpPr>
-            <a:spLocks noGrp="1"/>
-          </p:cNvSpPr>
-          <p:nvPr>
-            <p:ph type="body" sz="quarter" idx="13"/>
-          </p:nvPr>
-        </p:nvSpPr>
-        <p:spPr>
-          <a:xfrm>
-            <a:off x="6769687" y="1274131"/>
-            <a:ext cx="4253484" cy="398110"/>
-          </a:xfrm>
-        </p:spPr>
-        <p:txBody>
-          <a:bodyPr anchor="t"/>
-          <a:lstStyle/>
-          <a:p>
-            <a:r>
-              <a:rPr lang="ru-RU" b="1" i="1" dirty="0" smtClean="0"/>
-              <a:t>Статические переменные</a:t>
-            </a:r>
-            <a:endParaRPr lang="ru-RU" b="1" i="1" dirty="0"/>
-          </a:p>
-        </p:txBody>
-      </p:sp>
-      <p:sp>
-        <p:nvSpPr>
-          <p:cNvPr id="4" name="Заголовок 3"/>
-          <p:cNvSpPr>
-            <a:spLocks noGrp="1"/>
-          </p:cNvSpPr>
-          <p:nvPr>
-            <p:ph type="title"/>
-          </p:nvPr>
-        </p:nvSpPr>
-        <p:spPr>
-          <a:xfrm>
-            <a:off x="2231136" y="248231"/>
-            <a:ext cx="7624064" cy="878605"/>
-          </a:xfrm>
-        </p:spPr>
-        <p:txBody>
-          <a:bodyPr/>
-          <a:lstStyle/>
-          <a:p>
-            <a:r>
-              <a:rPr lang="ru-RU" dirty="0" smtClean="0"/>
-              <a:t>Переменные-члены класса</a:t>
-            </a:r>
-            <a:endParaRPr lang="ru-RU" dirty="0"/>
-          </a:p>
-        </p:txBody>
-      </p:sp>
-      <p:sp>
-        <p:nvSpPr>
-          <p:cNvPr id="11" name="TextBox 10"/>
-          <p:cNvSpPr txBox="1"/>
-          <p:nvPr/>
-        </p:nvSpPr>
-        <p:spPr>
-          <a:xfrm>
-            <a:off x="644212" y="5446970"/>
-            <a:ext cx="898772" cy="369332"/>
-          </a:xfrm>
-          <a:prstGeom prst="rect">
-            <a:avLst/>
-          </a:prstGeom>
-          <a:noFill/>
-        </p:spPr>
-        <p:txBody>
-          <a:bodyPr wrap="none" rtlCol="0">
-            <a:spAutoFit/>
-          </a:bodyPr>
-          <a:lstStyle/>
-          <a:p>
-            <a:r>
-              <a:rPr lang="ru-RU" dirty="0" smtClean="0"/>
-              <a:t>Вывод:</a:t>
-            </a:r>
-            <a:endParaRPr lang="ru-RU" dirty="0"/>
-          </a:p>
-        </p:txBody>
-      </p:sp>
-      <p:sp>
-        <p:nvSpPr>
-          <p:cNvPr id="13" name="TextBox 12"/>
-          <p:cNvSpPr txBox="1"/>
-          <p:nvPr/>
-        </p:nvSpPr>
-        <p:spPr>
-          <a:xfrm>
-            <a:off x="6334557" y="5446970"/>
-            <a:ext cx="898772" cy="369332"/>
-          </a:xfrm>
-          <a:prstGeom prst="rect">
-            <a:avLst/>
-          </a:prstGeom>
-          <a:noFill/>
-        </p:spPr>
-        <p:txBody>
-          <a:bodyPr wrap="none" rtlCol="0">
-            <a:spAutoFit/>
-          </a:bodyPr>
-          <a:lstStyle/>
-          <a:p>
-            <a:r>
-              <a:rPr lang="ru-RU" dirty="0" smtClean="0"/>
-              <a:t>Вывод:</a:t>
-            </a:r>
-            <a:endParaRPr lang="ru-RU" dirty="0"/>
-          </a:p>
-        </p:txBody>
-      </p:sp>
       <p:pic>
         <p:nvPicPr>
-          <p:cNvPr id="3" name="Рисунок 2"/>
+          <p:cNvPr id="9" name="Объект 8"/>
           <p:cNvPicPr>
-            <a:picLocks noChangeAspect="1"/>
+            <a:picLocks noGrp="1" noChangeAspect="1"/>
           </p:cNvPicPr>
-          <p:nvPr/>
+          <p:nvPr>
+            <p:ph sz="half" idx="2"/>
+          </p:nvPr>
         </p:nvPicPr>
         <p:blipFill>
           <a:blip r:embed="rId2"/>
@@ -6111,8 +6266,8 @@
         </p:blipFill>
         <p:spPr>
           <a:xfrm>
-            <a:off x="1351528" y="1819536"/>
-            <a:ext cx="3703641" cy="3627434"/>
+            <a:off x="201234" y="1985819"/>
+            <a:ext cx="5989882" cy="2752436"/>
           </a:xfrm>
           <a:prstGeom prst="rect">
             <a:avLst/>
@@ -6126,11 +6281,13 @@
       </p:pic>
       <p:pic>
         <p:nvPicPr>
-          <p:cNvPr id="15" name="Рисунок 14"/>
+          <p:cNvPr id="12" name="Объект 11"/>
           <p:cNvPicPr>
-            <a:picLocks noChangeAspect="1"/>
+            <a:picLocks noGrp="1" noChangeAspect="1"/>
           </p:cNvPicPr>
-          <p:nvPr/>
+          <p:nvPr>
+            <p:ph sz="quarter" idx="4"/>
+          </p:nvPr>
         </p:nvPicPr>
         <p:blipFill>
           <a:blip r:embed="rId3"/>
@@ -6140,22 +6297,78 @@
         </p:blipFill>
         <p:spPr>
           <a:xfrm>
-            <a:off x="1542984" y="5813695"/>
-            <a:ext cx="3308894" cy="722136"/>
+            <a:off x="6759052" y="1968339"/>
+            <a:ext cx="5202039" cy="2769916"/>
           </a:xfrm>
           <a:prstGeom prst="rect">
             <a:avLst/>
           </a:prstGeom>
           <a:ln w="28575">
             <a:solidFill>
-              <a:schemeClr val="accent3"/>
+              <a:schemeClr val="tx1"/>
             </a:solidFill>
           </a:ln>
         </p:spPr>
       </p:pic>
+      <p:sp>
+        <p:nvSpPr>
+          <p:cNvPr id="8" name="Текст 7"/>
+          <p:cNvSpPr>
+            <a:spLocks noGrp="1"/>
+          </p:cNvSpPr>
+          <p:nvPr>
+            <p:ph type="body" sz="quarter" idx="13"/>
+          </p:nvPr>
+        </p:nvSpPr>
+        <p:spPr>
+          <a:xfrm>
+            <a:off x="7233329" y="1372230"/>
+            <a:ext cx="4253484" cy="398110"/>
+          </a:xfrm>
+        </p:spPr>
+        <p:txBody>
+          <a:bodyPr anchor="t"/>
+          <a:lstStyle/>
+          <a:p>
+            <a:r>
+              <a:rPr lang="ru-RU" b="1" i="1" dirty="0" smtClean="0"/>
+              <a:t>Статические переменные</a:t>
+            </a:r>
+            <a:endParaRPr lang="ru-RU" b="1" i="1" dirty="0"/>
+          </a:p>
+        </p:txBody>
+      </p:sp>
+      <p:sp>
+        <p:nvSpPr>
+          <p:cNvPr id="4" name="Заголовок 3"/>
+          <p:cNvSpPr>
+            <a:spLocks noGrp="1"/>
+          </p:cNvSpPr>
+          <p:nvPr>
+            <p:ph type="title"/>
+          </p:nvPr>
+        </p:nvSpPr>
+        <p:spPr>
+          <a:xfrm>
+            <a:off x="2231136" y="248231"/>
+            <a:ext cx="7624064" cy="878605"/>
+          </a:xfrm>
+        </p:spPr>
+        <p:txBody>
+          <a:bodyPr/>
+          <a:lstStyle/>
+          <a:p>
+            <a:r>
+              <a:rPr lang="ru-RU" dirty="0" smtClean="0"/>
+              <a:t>Немного про статику</a:t>
+            </a:r>
+            <a:endParaRPr lang="ru-RU" dirty="0"/>
+          </a:p>
+        </p:txBody>
+      </p:sp>
       <p:pic>
         <p:nvPicPr>
-          <p:cNvPr id="16" name="Рисунок 15"/>
+          <p:cNvPr id="10" name="Рисунок 9"/>
           <p:cNvPicPr>
             <a:picLocks noChangeAspect="1"/>
           </p:cNvPicPr>
@@ -6169,8 +6382,8 @@
         </p:blipFill>
         <p:spPr>
           <a:xfrm>
-            <a:off x="7233329" y="5813695"/>
-            <a:ext cx="3326200" cy="722136"/>
+            <a:off x="1600595" y="5352412"/>
+            <a:ext cx="3191160" cy="927781"/>
           </a:xfrm>
           <a:prstGeom prst="rect">
             <a:avLst/>
@@ -6182,9 +6395,69 @@
           </a:ln>
         </p:spPr>
       </p:pic>
+      <p:sp>
+        <p:nvSpPr>
+          <p:cNvPr id="11" name="TextBox 10"/>
+          <p:cNvSpPr txBox="1"/>
+          <p:nvPr/>
+        </p:nvSpPr>
+        <p:spPr>
+          <a:xfrm>
+            <a:off x="701823" y="4860667"/>
+            <a:ext cx="898772" cy="369332"/>
+          </a:xfrm>
+          <a:prstGeom prst="rect">
+            <a:avLst/>
+          </a:prstGeom>
+          <a:noFill/>
+        </p:spPr>
+        <p:txBody>
+          <a:bodyPr wrap="none" rtlCol="0">
+            <a:spAutoFit/>
+          </a:bodyPr>
+          <a:lstStyle/>
+          <a:p>
+            <a:r>
+              <a:rPr lang="ru-RU" dirty="0" smtClean="0"/>
+              <a:t>Вывод:</a:t>
+            </a:r>
+            <a:endParaRPr lang="ru-RU" dirty="0"/>
+          </a:p>
+        </p:txBody>
+      </p:sp>
+      <p:sp>
+        <p:nvSpPr>
+          <p:cNvPr id="13" name="TextBox 12"/>
+          <p:cNvSpPr txBox="1"/>
+          <p:nvPr/>
+        </p:nvSpPr>
+        <p:spPr>
+          <a:xfrm>
+            <a:off x="6887197" y="4860667"/>
+            <a:ext cx="898772" cy="369332"/>
+          </a:xfrm>
+          <a:prstGeom prst="rect">
+            <a:avLst/>
+          </a:prstGeom>
+          <a:noFill/>
+        </p:spPr>
+        <p:txBody>
+          <a:bodyPr wrap="none" rtlCol="0">
+            <a:spAutoFit/>
+          </a:bodyPr>
+          <a:lstStyle/>
+          <a:p>
+            <a:r>
+              <a:rPr lang="ru-RU" dirty="0" smtClean="0"/>
+              <a:t>Вывод:</a:t>
+            </a:r>
+            <a:endParaRPr lang="ru-RU" dirty="0"/>
+          </a:p>
+        </p:txBody>
+      </p:sp>
       <p:pic>
         <p:nvPicPr>
-          <p:cNvPr id="18" name="Рисунок 17"/>
+          <p:cNvPr id="14" name="Рисунок 13"/>
           <p:cNvPicPr>
             <a:picLocks noChangeAspect="1"/>
           </p:cNvPicPr>
@@ -6198,15 +6471,15 @@
         </p:blipFill>
         <p:spPr>
           <a:xfrm>
-            <a:off x="6928563" y="1819536"/>
-            <a:ext cx="3935733" cy="3627434"/>
+            <a:off x="7785969" y="5352411"/>
+            <a:ext cx="3148204" cy="927782"/>
           </a:xfrm>
           <a:prstGeom prst="rect">
             <a:avLst/>
           </a:prstGeom>
           <a:ln w="28575">
             <a:solidFill>
-              <a:schemeClr val="tx1"/>
+              <a:schemeClr val="accent3"/>
             </a:solidFill>
           </a:ln>
         </p:spPr>
@@ -6214,13 +6487,25 @@
     </p:spTree>
     <p:extLst>
       <p:ext uri="{BB962C8B-B14F-4D97-AF65-F5344CB8AC3E}">
-        <p14:creationId xmlns:p14="http://schemas.microsoft.com/office/powerpoint/2010/main" val="898344350"/>
+        <p14:creationId xmlns:p14="http://schemas.microsoft.com/office/powerpoint/2010/main" val="1870334122"/>
       </p:ext>
     </p:extLst>
   </p:cSld>
   <p:clrMapOvr>
     <a:masterClrMapping/>
   </p:clrMapOvr>
+  <mc:AlternateContent xmlns:mc="http://schemas.openxmlformats.org/markup-compatibility/2006" xmlns:p14="http://schemas.microsoft.com/office/powerpoint/2010/main">
+    <mc:Choice Requires="p14">
+      <p:transition spd="med" p14:dur="700">
+        <p:fade/>
+      </p:transition>
+    </mc:Choice>
+    <mc:Fallback xmlns="">
+      <p:transition spd="med">
+        <p:fade/>
+      </p:transition>
+    </mc:Fallback>
+  </mc:AlternateContent>
   <p:timing>
     <p:tnLst>
       <p:par>
@@ -6250,7 +6535,63 @@
       </p:grpSpPr>
       <p:sp>
         <p:nvSpPr>
-          <p:cNvPr id="6" name="Заголовок 5"/>
+          <p:cNvPr id="5" name="Текст 4"/>
+          <p:cNvSpPr>
+            <a:spLocks noGrp="1"/>
+          </p:cNvSpPr>
+          <p:nvPr>
+            <p:ph type="body" idx="1"/>
+          </p:nvPr>
+        </p:nvSpPr>
+        <p:spPr>
+          <a:xfrm>
+            <a:off x="1066789" y="1257707"/>
+            <a:ext cx="4273118" cy="430958"/>
+          </a:xfrm>
+        </p:spPr>
+        <p:txBody>
+          <a:bodyPr anchor="t"/>
+          <a:lstStyle/>
+          <a:p>
+            <a:r>
+              <a:rPr lang="ru-RU" b="1" i="1" dirty="0" smtClean="0"/>
+              <a:t>Обычные переменные</a:t>
+            </a:r>
+            <a:endParaRPr lang="ru-RU" b="1" i="1" dirty="0"/>
+          </a:p>
+        </p:txBody>
+      </p:sp>
+      <p:sp>
+        <p:nvSpPr>
+          <p:cNvPr id="8" name="Текст 7"/>
+          <p:cNvSpPr>
+            <a:spLocks noGrp="1"/>
+          </p:cNvSpPr>
+          <p:nvPr>
+            <p:ph type="body" sz="quarter" idx="13"/>
+          </p:nvPr>
+        </p:nvSpPr>
+        <p:spPr>
+          <a:xfrm>
+            <a:off x="6769687" y="1274131"/>
+            <a:ext cx="4253484" cy="398110"/>
+          </a:xfrm>
+        </p:spPr>
+        <p:txBody>
+          <a:bodyPr anchor="t"/>
+          <a:lstStyle/>
+          <a:p>
+            <a:r>
+              <a:rPr lang="ru-RU" b="1" i="1" dirty="0" smtClean="0"/>
+              <a:t>Статические переменные</a:t>
+            </a:r>
+            <a:endParaRPr lang="ru-RU" b="1" i="1" dirty="0"/>
+          </a:p>
+        </p:txBody>
+      </p:sp>
+      <p:sp>
+        <p:nvSpPr>
+          <p:cNvPr id="4" name="Заголовок 3"/>
           <p:cNvSpPr>
             <a:spLocks noGrp="1"/>
           </p:cNvSpPr>
@@ -6260,8 +6601,8 @@
         </p:nvSpPr>
         <p:spPr>
           <a:xfrm>
-            <a:off x="2200840" y="244255"/>
-            <a:ext cx="7402391" cy="780981"/>
+            <a:off x="2231136" y="248231"/>
+            <a:ext cx="7624064" cy="878605"/>
           </a:xfrm>
         </p:spPr>
         <p:txBody>
@@ -6270,7 +6611,67 @@
           <a:p>
             <a:r>
               <a:rPr lang="ru-RU" dirty="0" smtClean="0"/>
-              <a:t>Статические методы</a:t>
+              <a:t>Переменные-члены класса</a:t>
+            </a:r>
+            <a:endParaRPr lang="ru-RU" dirty="0"/>
+          </a:p>
+        </p:txBody>
+      </p:sp>
+      <p:sp>
+        <p:nvSpPr>
+          <p:cNvPr id="11" name="TextBox 10"/>
+          <p:cNvSpPr txBox="1"/>
+          <p:nvPr/>
+        </p:nvSpPr>
+        <p:spPr>
+          <a:xfrm>
+            <a:off x="644212" y="5446970"/>
+            <a:ext cx="898772" cy="369332"/>
+          </a:xfrm>
+          <a:prstGeom prst="rect">
+            <a:avLst/>
+          </a:prstGeom>
+          <a:noFill/>
+        </p:spPr>
+        <p:txBody>
+          <a:bodyPr wrap="none" rtlCol="0">
+            <a:spAutoFit/>
+          </a:bodyPr>
+          <a:lstStyle/>
+          <a:p>
+            <a:r>
+              <a:rPr lang="ru-RU" dirty="0" smtClean="0"/>
+              <a:t>Вывод:</a:t>
+            </a:r>
+            <a:endParaRPr lang="ru-RU" dirty="0"/>
+          </a:p>
+        </p:txBody>
+      </p:sp>
+      <p:sp>
+        <p:nvSpPr>
+          <p:cNvPr id="13" name="TextBox 12"/>
+          <p:cNvSpPr txBox="1"/>
+          <p:nvPr/>
+        </p:nvSpPr>
+        <p:spPr>
+          <a:xfrm>
+            <a:off x="6334557" y="5446970"/>
+            <a:ext cx="898772" cy="369332"/>
+          </a:xfrm>
+          <a:prstGeom prst="rect">
+            <a:avLst/>
+          </a:prstGeom>
+          <a:noFill/>
+        </p:spPr>
+        <p:txBody>
+          <a:bodyPr wrap="none" rtlCol="0">
+            <a:spAutoFit/>
+          </a:bodyPr>
+          <a:lstStyle/>
+          <a:p>
+            <a:r>
+              <a:rPr lang="ru-RU" dirty="0" smtClean="0"/>
+              <a:t>Вывод:</a:t>
             </a:r>
             <a:endParaRPr lang="ru-RU" dirty="0"/>
           </a:p>
@@ -6278,7 +6679,7 @@
       </p:sp>
       <p:pic>
         <p:nvPicPr>
-          <p:cNvPr id="7" name="Рисунок 6"/>
+          <p:cNvPr id="3" name="Рисунок 2"/>
           <p:cNvPicPr>
             <a:picLocks noChangeAspect="1"/>
           </p:cNvPicPr>
@@ -6292,8 +6693,8 @@
         </p:blipFill>
         <p:spPr>
           <a:xfrm>
-            <a:off x="3246234" y="1263358"/>
-            <a:ext cx="5311600" cy="4054191"/>
+            <a:off x="1351528" y="1819536"/>
+            <a:ext cx="3703641" cy="3627434"/>
           </a:xfrm>
           <a:prstGeom prst="rect">
             <a:avLst/>
@@ -6305,39 +6706,9 @@
           </a:ln>
         </p:spPr>
       </p:pic>
-      <p:sp>
-        <p:nvSpPr>
-          <p:cNvPr id="8" name="TextBox 7"/>
-          <p:cNvSpPr txBox="1"/>
-          <p:nvPr/>
-        </p:nvSpPr>
-        <p:spPr>
-          <a:xfrm>
-            <a:off x="3156409" y="5391495"/>
-            <a:ext cx="898772" cy="369332"/>
-          </a:xfrm>
-          <a:prstGeom prst="rect">
-            <a:avLst/>
-          </a:prstGeom>
-          <a:noFill/>
-        </p:spPr>
-        <p:txBody>
-          <a:bodyPr wrap="none" rtlCol="0">
-            <a:spAutoFit/>
-          </a:bodyPr>
-          <a:lstStyle/>
-          <a:p>
-            <a:r>
-              <a:rPr lang="ru-RU" dirty="0" smtClean="0"/>
-              <a:t>Вывод:</a:t>
-            </a:r>
-            <a:endParaRPr lang="ru-RU" dirty="0"/>
-          </a:p>
-        </p:txBody>
-      </p:sp>
       <p:pic>
         <p:nvPicPr>
-          <p:cNvPr id="9" name="Рисунок 8"/>
+          <p:cNvPr id="15" name="Рисунок 14"/>
           <p:cNvPicPr>
             <a:picLocks noChangeAspect="1"/>
           </p:cNvPicPr>
@@ -6351,8 +6722,8 @@
         </p:blipFill>
         <p:spPr>
           <a:xfrm>
-            <a:off x="4055181" y="5834773"/>
-            <a:ext cx="3693707" cy="551657"/>
+            <a:off x="7241982" y="5816302"/>
+            <a:ext cx="3308894" cy="722136"/>
           </a:xfrm>
           <a:prstGeom prst="rect">
             <a:avLst/>
@@ -6364,85 +6735,86 @@
           </a:ln>
         </p:spPr>
       </p:pic>
-      <p:sp>
-        <p:nvSpPr>
-          <p:cNvPr id="10" name="TextBox 9"/>
-          <p:cNvSpPr txBox="1"/>
+      <p:pic>
+        <p:nvPicPr>
+          <p:cNvPr id="16" name="Рисунок 15"/>
+          <p:cNvPicPr>
+            <a:picLocks noChangeAspect="1"/>
+          </p:cNvPicPr>
           <p:nvPr/>
-        </p:nvSpPr>
-        <p:spPr>
-          <a:xfrm>
-            <a:off x="9142286" y="2949446"/>
-            <a:ext cx="2339562" cy="923330"/>
+        </p:nvPicPr>
+        <p:blipFill>
+          <a:blip r:embed="rId4"/>
+          <a:stretch>
+            <a:fillRect/>
+          </a:stretch>
+        </p:blipFill>
+        <p:spPr>
+          <a:xfrm>
+            <a:off x="1540248" y="5816302"/>
+            <a:ext cx="3326200" cy="722136"/>
           </a:xfrm>
           <a:prstGeom prst="rect">
             <a:avLst/>
           </a:prstGeom>
-          <a:noFill/>
-          <a:ln w="9525" cap="flat" cmpd="sng" algn="ctr">
+          <a:ln w="28575">
             <a:solidFill>
-              <a:schemeClr val="dk1"/>
+              <a:schemeClr val="accent3"/>
             </a:solidFill>
-            <a:prstDash val="solid"/>
-            <a:round/>
-            <a:headEnd type="none" w="med" len="med"/>
-            <a:tailEnd type="none" w="med" len="med"/>
           </a:ln>
         </p:spPr>
-        <p:style>
-          <a:lnRef idx="0">
-            <a:scrgbClr r="0" g="0" b="0"/>
-          </a:lnRef>
-          <a:fillRef idx="0">
-            <a:scrgbClr r="0" g="0" b="0"/>
-          </a:fillRef>
-          <a:effectRef idx="0">
-            <a:scrgbClr r="0" g="0" b="0"/>
-          </a:effectRef>
-          <a:fontRef idx="minor">
-            <a:schemeClr val="dk1"/>
-          </a:fontRef>
-        </p:style>
-        <p:txBody>
-          <a:bodyPr wrap="square" rtlCol="0">
-            <a:spAutoFit/>
-            <a:scene3d>
-              <a:camera prst="orthographicFront"/>
-              <a:lightRig rig="harsh" dir="t"/>
-            </a:scene3d>
-            <a:sp3d extrusionH="57150" prstMaterial="matte">
-              <a:bevelT w="63500" h="12700" prst="angle"/>
-              <a:contourClr>
-                <a:schemeClr val="bg1">
-                  <a:lumMod val="65000"/>
-                </a:schemeClr>
-              </a:contourClr>
-            </a:sp3d>
-          </a:bodyPr>
-          <a:lstStyle/>
-          <a:p>
-            <a:r>
-              <a:rPr lang="ru-RU" b="1" dirty="0" smtClean="0">
-                <a:ln/>
-                <a:solidFill>
-                  <a:schemeClr val="accent3"/>
-                </a:solidFill>
-              </a:rPr>
-              <a:t>Без статического метода пришлось бы создавать объект !</a:t>
-            </a:r>
-          </a:p>
-        </p:txBody>
-      </p:sp>
+      </p:pic>
+      <p:pic>
+        <p:nvPicPr>
+          <p:cNvPr id="18" name="Рисунок 17"/>
+          <p:cNvPicPr>
+            <a:picLocks noChangeAspect="1"/>
+          </p:cNvPicPr>
+          <p:nvPr/>
+        </p:nvPicPr>
+        <p:blipFill>
+          <a:blip r:embed="rId5"/>
+          <a:stretch>
+            <a:fillRect/>
+          </a:stretch>
+        </p:blipFill>
+        <p:spPr>
+          <a:xfrm>
+            <a:off x="6928563" y="1819536"/>
+            <a:ext cx="3935733" cy="3627434"/>
+          </a:xfrm>
+          <a:prstGeom prst="rect">
+            <a:avLst/>
+          </a:prstGeom>
+          <a:ln w="28575">
+            <a:solidFill>
+              <a:schemeClr val="tx1"/>
+            </a:solidFill>
+          </a:ln>
+        </p:spPr>
+      </p:pic>
     </p:spTree>
     <p:extLst>
       <p:ext uri="{BB962C8B-B14F-4D97-AF65-F5344CB8AC3E}">
-        <p14:creationId xmlns:p14="http://schemas.microsoft.com/office/powerpoint/2010/main" val="1540804213"/>
+        <p14:creationId xmlns:p14="http://schemas.microsoft.com/office/powerpoint/2010/main" val="898344350"/>
       </p:ext>
     </p:extLst>
   </p:cSld>
   <p:clrMapOvr>
     <a:masterClrMapping/>
   </p:clrMapOvr>
+  <mc:AlternateContent xmlns:mc="http://schemas.openxmlformats.org/markup-compatibility/2006" xmlns:p14="http://schemas.microsoft.com/office/powerpoint/2010/main">
+    <mc:Choice Requires="p14">
+      <p:transition spd="med" p14:dur="700">
+        <p:fade/>
+      </p:transition>
+    </mc:Choice>
+    <mc:Fallback xmlns="">
+      <p:transition spd="med">
+        <p:fade/>
+      </p:transition>
+    </mc:Fallback>
+  </mc:AlternateContent>
   <p:timing>
     <p:tnLst>
       <p:par>
@@ -6472,7 +6844,7 @@
       </p:grpSpPr>
       <p:sp>
         <p:nvSpPr>
-          <p:cNvPr id="7" name="Заголовок 6"/>
+          <p:cNvPr id="6" name="Заголовок 5"/>
           <p:cNvSpPr>
             <a:spLocks noGrp="1"/>
           </p:cNvSpPr>
@@ -6482,8 +6854,8 @@
         </p:nvSpPr>
         <p:spPr>
           <a:xfrm>
-            <a:off x="2184954" y="207310"/>
-            <a:ext cx="7420864" cy="845635"/>
+            <a:off x="2200840" y="244255"/>
+            <a:ext cx="7402391" cy="780981"/>
           </a:xfrm>
         </p:spPr>
         <p:txBody>
@@ -6492,7 +6864,7 @@
           <a:p>
             <a:r>
               <a:rPr lang="ru-RU" dirty="0" smtClean="0"/>
-              <a:t>Пример работы паттерна</a:t>
+              <a:t>Статические методы</a:t>
             </a:r>
             <a:endParaRPr lang="ru-RU" dirty="0"/>
           </a:p>
@@ -6500,7 +6872,7 @@
       </p:sp>
       <p:pic>
         <p:nvPicPr>
-          <p:cNvPr id="8" name="Рисунок 7"/>
+          <p:cNvPr id="7" name="Рисунок 6"/>
           <p:cNvPicPr>
             <a:picLocks noChangeAspect="1"/>
           </p:cNvPicPr>
@@ -6514,8 +6886,8 @@
         </p:blipFill>
         <p:spPr>
           <a:xfrm>
-            <a:off x="2939031" y="1441045"/>
-            <a:ext cx="5912709" cy="4879599"/>
+            <a:off x="3246234" y="1263358"/>
+            <a:ext cx="5311600" cy="4054191"/>
           </a:xfrm>
           <a:prstGeom prst="rect">
             <a:avLst/>
@@ -6527,16 +6899,156 @@
           </a:ln>
         </p:spPr>
       </p:pic>
+      <p:sp>
+        <p:nvSpPr>
+          <p:cNvPr id="8" name="TextBox 7"/>
+          <p:cNvSpPr txBox="1"/>
+          <p:nvPr/>
+        </p:nvSpPr>
+        <p:spPr>
+          <a:xfrm>
+            <a:off x="3156409" y="5391495"/>
+            <a:ext cx="898772" cy="369332"/>
+          </a:xfrm>
+          <a:prstGeom prst="rect">
+            <a:avLst/>
+          </a:prstGeom>
+          <a:noFill/>
+        </p:spPr>
+        <p:txBody>
+          <a:bodyPr wrap="none" rtlCol="0">
+            <a:spAutoFit/>
+          </a:bodyPr>
+          <a:lstStyle/>
+          <a:p>
+            <a:r>
+              <a:rPr lang="ru-RU" dirty="0" smtClean="0"/>
+              <a:t>Вывод:</a:t>
+            </a:r>
+            <a:endParaRPr lang="ru-RU" dirty="0"/>
+          </a:p>
+        </p:txBody>
+      </p:sp>
+      <p:pic>
+        <p:nvPicPr>
+          <p:cNvPr id="9" name="Рисунок 8"/>
+          <p:cNvPicPr>
+            <a:picLocks noChangeAspect="1"/>
+          </p:cNvPicPr>
+          <p:nvPr/>
+        </p:nvPicPr>
+        <p:blipFill>
+          <a:blip r:embed="rId3"/>
+          <a:stretch>
+            <a:fillRect/>
+          </a:stretch>
+        </p:blipFill>
+        <p:spPr>
+          <a:xfrm>
+            <a:off x="4055181" y="5834773"/>
+            <a:ext cx="3693707" cy="551657"/>
+          </a:xfrm>
+          <a:prstGeom prst="rect">
+            <a:avLst/>
+          </a:prstGeom>
+          <a:ln w="28575">
+            <a:solidFill>
+              <a:schemeClr val="accent3"/>
+            </a:solidFill>
+          </a:ln>
+        </p:spPr>
+      </p:pic>
+      <p:sp>
+        <p:nvSpPr>
+          <p:cNvPr id="10" name="TextBox 9"/>
+          <p:cNvSpPr txBox="1"/>
+          <p:nvPr/>
+        </p:nvSpPr>
+        <p:spPr>
+          <a:xfrm>
+            <a:off x="9142286" y="2949446"/>
+            <a:ext cx="2339562" cy="923330"/>
+          </a:xfrm>
+          <a:prstGeom prst="rect">
+            <a:avLst/>
+          </a:prstGeom>
+          <a:noFill/>
+          <a:ln w="9525" cap="flat" cmpd="sng" algn="ctr">
+            <a:solidFill>
+              <a:schemeClr val="dk1"/>
+            </a:solidFill>
+            <a:prstDash val="solid"/>
+            <a:round/>
+            <a:headEnd type="none" w="med" len="med"/>
+            <a:tailEnd type="none" w="med" len="med"/>
+          </a:ln>
+        </p:spPr>
+        <p:style>
+          <a:lnRef idx="0">
+            <a:scrgbClr r="0" g="0" b="0"/>
+          </a:lnRef>
+          <a:fillRef idx="0">
+            <a:scrgbClr r="0" g="0" b="0"/>
+          </a:fillRef>
+          <a:effectRef idx="0">
+            <a:scrgbClr r="0" g="0" b="0"/>
+          </a:effectRef>
+          <a:fontRef idx="minor">
+            <a:schemeClr val="dk1"/>
+          </a:fontRef>
+        </p:style>
+        <p:txBody>
+          <a:bodyPr wrap="square" rtlCol="0">
+            <a:spAutoFit/>
+            <a:scene3d>
+              <a:camera prst="orthographicFront"/>
+              <a:lightRig rig="harsh" dir="t"/>
+            </a:scene3d>
+            <a:sp3d extrusionH="57150" prstMaterial="matte">
+              <a:bevelT w="63500" h="12700" prst="angle"/>
+              <a:contourClr>
+                <a:schemeClr val="bg1">
+                  <a:lumMod val="65000"/>
+                </a:schemeClr>
+              </a:contourClr>
+            </a:sp3d>
+          </a:bodyPr>
+          <a:lstStyle/>
+          <a:p>
+            <a:r>
+              <a:rPr lang="ru-RU" b="1" dirty="0" smtClean="0">
+                <a:ln/>
+                <a:solidFill>
+                  <a:schemeClr val="accent3"/>
+                </a:solidFill>
+              </a:rPr>
+              <a:t>Без статического метода пришлось бы создавать объект !</a:t>
+            </a:r>
+          </a:p>
+        </p:txBody>
+      </p:sp>
     </p:spTree>
     <p:extLst>
       <p:ext uri="{BB962C8B-B14F-4D97-AF65-F5344CB8AC3E}">
-        <p14:creationId xmlns:p14="http://schemas.microsoft.com/office/powerpoint/2010/main" val="2655273055"/>
+        <p14:creationId xmlns:p14="http://schemas.microsoft.com/office/powerpoint/2010/main" val="1540804213"/>
       </p:ext>
     </p:extLst>
   </p:cSld>
   <p:clrMapOvr>
     <a:masterClrMapping/>
   </p:clrMapOvr>
+  <mc:AlternateContent xmlns:mc="http://schemas.openxmlformats.org/markup-compatibility/2006" xmlns:p14="http://schemas.microsoft.com/office/powerpoint/2010/main">
+    <mc:Choice Requires="p14">
+      <p:transition spd="med" p14:dur="700">
+        <p:fade/>
+      </p:transition>
+    </mc:Choice>
+    <mc:Fallback xmlns="">
+      <p:transition spd="med">
+        <p:fade/>
+      </p:transition>
+    </mc:Fallback>
+  </mc:AlternateContent>
   <p:timing>
     <p:tnLst>
       <p:par>
